--- a/GDD/컨셉/목축 시스템 초안.pptx
+++ b/GDD/컨셉/목축 시스템 초안.pptx
@@ -242,7 +242,7 @@
           <a:p>
             <a:fld id="{042CCA31-0D01-42EA-994F-3AB24D48C1DC}" type="datetimeFigureOut">
               <a:rPr lang="ko-KR" altLang="en-US" smtClean="0"/>
-              <a:t>2022-09-19</a:t>
+              <a:t>2022-09-26</a:t>
             </a:fld>
             <a:endParaRPr lang="ko-KR" altLang="en-US"/>
           </a:p>
@@ -641,7 +641,7 @@
           <a:p>
             <a:fld id="{18FE348D-52D1-492A-AC55-A1863A2FFC72}" type="datetime1">
               <a:rPr lang="ko-KR" altLang="en-US" smtClean="0"/>
-              <a:t>2022-09-19</a:t>
+              <a:t>2022-09-26</a:t>
             </a:fld>
             <a:endParaRPr lang="ko-KR" altLang="en-US"/>
           </a:p>
@@ -1133,7 +1133,7 @@
           <a:p>
             <a:fld id="{3A679261-6D21-47B2-8D2E-F51E6AD78FEB}" type="datetime1">
               <a:rPr lang="ko-KR" altLang="en-US" smtClean="0"/>
-              <a:t>2022-09-19</a:t>
+              <a:t>2022-09-26</a:t>
             </a:fld>
             <a:endParaRPr lang="ko-KR" altLang="en-US"/>
           </a:p>
@@ -1301,7 +1301,7 @@
           <a:p>
             <a:fld id="{84D5A96B-1A08-4BE7-B375-A48BB7F70F1D}" type="datetime1">
               <a:rPr lang="ko-KR" altLang="en-US" smtClean="0"/>
-              <a:t>2022-09-19</a:t>
+              <a:t>2022-09-26</a:t>
             </a:fld>
             <a:endParaRPr lang="ko-KR" altLang="en-US"/>
           </a:p>
@@ -1479,7 +1479,7 @@
           <a:p>
             <a:fld id="{F1C9B146-2D5A-471B-9104-B286F95F5A58}" type="datetime1">
               <a:rPr lang="ko-KR" altLang="en-US" smtClean="0"/>
-              <a:t>2022-09-19</a:t>
+              <a:t>2022-09-26</a:t>
             </a:fld>
             <a:endParaRPr lang="ko-KR" altLang="en-US"/>
           </a:p>
@@ -1798,7 +1798,7 @@
           <a:p>
             <a:fld id="{18FE348D-52D1-492A-AC55-A1863A2FFC72}" type="datetime1">
               <a:rPr lang="ko-KR" altLang="en-US" smtClean="0"/>
-              <a:t>2022-09-19</a:t>
+              <a:t>2022-09-26</a:t>
             </a:fld>
             <a:endParaRPr lang="ko-KR" altLang="en-US"/>
           </a:p>
@@ -2243,7 +2243,7 @@
           <a:p>
             <a:fld id="{82683071-4371-4F06-BB49-80D50B4DD0B7}" type="datetime1">
               <a:rPr lang="ko-KR" altLang="en-US" smtClean="0"/>
-              <a:t>2022-09-19</a:t>
+              <a:t>2022-09-26</a:t>
             </a:fld>
             <a:endParaRPr lang="ko-KR" altLang="en-US"/>
           </a:p>
@@ -2472,7 +2472,7 @@
           <a:p>
             <a:fld id="{BE2791AF-7B18-4941-A6B4-F3681F4060F1}" type="datetime1">
               <a:rPr lang="ko-KR" altLang="en-US" smtClean="0"/>
-              <a:t>2022-09-19</a:t>
+              <a:t>2022-09-26</a:t>
             </a:fld>
             <a:endParaRPr lang="ko-KR" altLang="en-US"/>
           </a:p>
@@ -2763,7 +2763,7 @@
           <a:p>
             <a:fld id="{C2629E22-DB96-46B0-A328-08BA69541519}" type="datetime1">
               <a:rPr lang="ko-KR" altLang="en-US" smtClean="0"/>
-              <a:t>2022-09-19</a:t>
+              <a:t>2022-09-26</a:t>
             </a:fld>
             <a:endParaRPr lang="ko-KR" altLang="en-US"/>
           </a:p>
@@ -3236,7 +3236,7 @@
           <a:p>
             <a:fld id="{3BB89B99-2073-4FAF-91A5-991F6904E7E2}" type="datetime1">
               <a:rPr lang="ko-KR" altLang="en-US" smtClean="0"/>
-              <a:t>2022-09-19</a:t>
+              <a:t>2022-09-26</a:t>
             </a:fld>
             <a:endParaRPr lang="ko-KR" altLang="en-US"/>
           </a:p>
@@ -3353,7 +3353,7 @@
           <a:p>
             <a:fld id="{412DEF65-2C8F-4174-9DDE-0E8624841DF4}" type="datetime1">
               <a:rPr lang="ko-KR" altLang="en-US" smtClean="0"/>
-              <a:t>2022-09-19</a:t>
+              <a:t>2022-09-26</a:t>
             </a:fld>
             <a:endParaRPr lang="ko-KR" altLang="en-US"/>
           </a:p>
@@ -3448,7 +3448,7 @@
           <a:p>
             <a:fld id="{E6B80967-A451-4886-AFF5-9EA93B59F493}" type="datetime1">
               <a:rPr lang="ko-KR" altLang="en-US" smtClean="0"/>
-              <a:t>2022-09-19</a:t>
+              <a:t>2022-09-26</a:t>
             </a:fld>
             <a:endParaRPr lang="ko-KR" altLang="en-US"/>
           </a:p>
@@ -3723,7 +3723,7 @@
           <a:p>
             <a:fld id="{32DA048E-4A53-40F4-95EA-581542E33132}" type="datetime1">
               <a:rPr lang="ko-KR" altLang="en-US" smtClean="0"/>
-              <a:t>2022-09-19</a:t>
+              <a:t>2022-09-26</a:t>
             </a:fld>
             <a:endParaRPr lang="ko-KR" altLang="en-US"/>
           </a:p>
@@ -3934,7 +3934,7 @@
           <a:p>
             <a:fld id="{35424EFA-2A44-402C-9449-FA945D09B5E7}" type="datetime1">
               <a:rPr lang="ko-KR" altLang="en-US" smtClean="0"/>
-              <a:t>2022-09-19</a:t>
+              <a:t>2022-09-26</a:t>
             </a:fld>
             <a:endParaRPr lang="ko-KR" altLang="en-US"/>
           </a:p>
@@ -4368,6 +4368,13 @@
               </a:rPr>
               <a:t>Panda Village</a:t>
             </a:r>
+            <a:r>
+              <a:rPr lang="ko-KR" altLang="en-US" dirty="0">
+                <a:latin typeface="메이플스토리" panose="02000800000000000000" pitchFamily="2" charset="-127"/>
+                <a:ea typeface="메이플스토리" panose="02000800000000000000" pitchFamily="2" charset="-127"/>
+              </a:rPr>
+              <a:t/>
+            </a:r>
             <a:br>
               <a:rPr lang="ko-KR" altLang="en-US" dirty="0">
                 <a:latin typeface="메이플스토리" panose="02000800000000000000" pitchFamily="2" charset="-127"/>
@@ -4461,8 +4468,21 @@
           <a:p>
             <a:r>
               <a:rPr lang="ko-KR" altLang="en-US" dirty="0"/>
-              <a:t>목축 시스템</a:t>
-            </a:r>
+              <a:t>목축 </a:t>
+            </a:r>
+            <a:r>
+              <a:rPr lang="ko-KR" altLang="en-US" dirty="0" smtClean="0"/>
+              <a:t>시스템</a:t>
+            </a:r>
+            <a:r>
+              <a:rPr lang="en-US" altLang="ko-KR" dirty="0"/>
+              <a:t> </a:t>
+            </a:r>
+            <a:r>
+              <a:rPr lang="ko-KR" altLang="en-US" dirty="0" smtClean="0"/>
+              <a:t>기획서</a:t>
+            </a:r>
+            <a:endParaRPr lang="ko-KR" altLang="en-US" dirty="0"/>
           </a:p>
         </p:txBody>
       </p:sp>
@@ -5461,7 +5481,7 @@
         </p:spPr>
         <p:txBody>
           <a:bodyPr vert="horz" lIns="91440" tIns="45720" rIns="91440" bIns="45720" rtlCol="0">
-            <a:normAutofit lnSpcReduction="10000"/>
+            <a:normAutofit/>
           </a:bodyPr>
           <a:lstStyle>
             <a:lvl1pPr marL="228600" indent="-228600" algn="l" defTabSz="914400" rtl="0" eaLnBrk="1" latinLnBrk="1" hangingPunct="1">
@@ -7151,29 +7171,118 @@
           </a:p>
         </p:txBody>
       </p:sp>
+      <p:sp>
+        <p:nvSpPr>
+          <p:cNvPr id="3" name="직사각형 2"/>
+          <p:cNvSpPr/>
+          <p:nvPr/>
+        </p:nvSpPr>
+        <p:spPr>
+          <a:xfrm>
+            <a:off x="588019" y="890213"/>
+            <a:ext cx="2047740" cy="369332"/>
+          </a:xfrm>
+          <a:prstGeom prst="rect">
+            <a:avLst/>
+          </a:prstGeom>
+        </p:spPr>
+        <p:txBody>
+          <a:bodyPr wrap="none">
+            <a:spAutoFit/>
+          </a:bodyPr>
+          <a:lstStyle/>
+          <a:p>
+            <a:r>
+              <a:rPr lang="en-US" altLang="ko-KR" dirty="0" smtClean="0">
+                <a:latin typeface="메이플스토리" panose="02000300000000000000" pitchFamily="2" charset="-127"/>
+                <a:ea typeface="메이플스토리" panose="02000300000000000000" pitchFamily="2" charset="-127"/>
+              </a:rPr>
+              <a:t>animal_data.xlsx</a:t>
+            </a:r>
+            <a:endParaRPr lang="en-US" altLang="ko-KR" dirty="0">
+              <a:latin typeface="메이플스토리" panose="02000300000000000000" pitchFamily="2" charset="-127"/>
+              <a:ea typeface="메이플스토리" panose="02000300000000000000" pitchFamily="2" charset="-127"/>
+            </a:endParaRPr>
+          </a:p>
+        </p:txBody>
+      </p:sp>
       <p:pic>
         <p:nvPicPr>
-          <p:cNvPr id="5" name="그림 4">
-            <a:extLst>
-              <a:ext uri="{FF2B5EF4-FFF2-40B4-BE49-F238E27FC236}">
-                <a16:creationId xmlns:a16="http://schemas.microsoft.com/office/drawing/2014/main" id="{05960FAF-85C0-DC0E-3329-93F03780CDC8}"/>
-              </a:ext>
-            </a:extLst>
-          </p:cNvPr>
+          <p:cNvPr id="4" name="그림 3"/>
           <p:cNvPicPr>
             <a:picLocks noChangeAspect="1"/>
           </p:cNvPicPr>
           <p:nvPr/>
         </p:nvPicPr>
-        <p:blipFill rotWithShape="1">
+        <p:blipFill>
           <a:blip r:embed="rId2"/>
-          <a:srcRect t="32377" r="72609" b="53477"/>
-          <a:stretch/>
+          <a:stretch>
+            <a:fillRect/>
+          </a:stretch>
         </p:blipFill>
         <p:spPr>
           <a:xfrm>
-            <a:off x="637505" y="1367623"/>
-            <a:ext cx="3956948" cy="1121136"/>
+            <a:off x="4456667" y="3811343"/>
+            <a:ext cx="7078063" cy="1314633"/>
+          </a:xfrm>
+          <a:prstGeom prst="rect">
+            <a:avLst/>
+          </a:prstGeom>
+        </p:spPr>
+      </p:pic>
+      <p:sp>
+        <p:nvSpPr>
+          <p:cNvPr id="7" name="직사각형 6"/>
+          <p:cNvSpPr/>
+          <p:nvPr/>
+        </p:nvSpPr>
+        <p:spPr>
+          <a:xfrm>
+            <a:off x="4456667" y="3169950"/>
+            <a:ext cx="1931619" cy="369332"/>
+          </a:xfrm>
+          <a:prstGeom prst="rect">
+            <a:avLst/>
+          </a:prstGeom>
+        </p:spPr>
+        <p:txBody>
+          <a:bodyPr wrap="none">
+            <a:spAutoFit/>
+          </a:bodyPr>
+          <a:lstStyle/>
+          <a:p>
+            <a:r>
+              <a:rPr lang="en-US" altLang="ko-KR" dirty="0" smtClean="0">
+                <a:latin typeface="메이플스토리" panose="02000300000000000000" pitchFamily="2" charset="-127"/>
+                <a:ea typeface="메이플스토리" panose="02000300000000000000" pitchFamily="2" charset="-127"/>
+              </a:rPr>
+              <a:t>animal_info.xlsx</a:t>
+            </a:r>
+            <a:endParaRPr lang="en-US" altLang="ko-KR" dirty="0">
+              <a:latin typeface="메이플스토리" panose="02000300000000000000" pitchFamily="2" charset="-127"/>
+              <a:ea typeface="메이플스토리" panose="02000300000000000000" pitchFamily="2" charset="-127"/>
+            </a:endParaRPr>
+          </a:p>
+        </p:txBody>
+      </p:sp>
+      <p:pic>
+        <p:nvPicPr>
+          <p:cNvPr id="8" name="그림 7"/>
+          <p:cNvPicPr>
+            <a:picLocks noChangeAspect="1"/>
+          </p:cNvPicPr>
+          <p:nvPr/>
+        </p:nvPicPr>
+        <p:blipFill>
+          <a:blip r:embed="rId3"/>
+          <a:stretch>
+            <a:fillRect/>
+          </a:stretch>
+        </p:blipFill>
+        <p:spPr>
+          <a:xfrm>
+            <a:off x="588019" y="1569529"/>
+            <a:ext cx="3238952" cy="1038370"/>
           </a:xfrm>
           <a:prstGeom prst="rect">
             <a:avLst/>
@@ -11573,7 +11682,7 @@
         </p:spPr>
         <p:txBody>
           <a:bodyPr vert="horz" lIns="91440" tIns="45720" rIns="91440" bIns="45720" rtlCol="0">
-            <a:normAutofit lnSpcReduction="10000"/>
+            <a:normAutofit/>
           </a:bodyPr>
           <a:lstStyle>
             <a:lvl1pPr marL="228600" indent="-228600" algn="l" defTabSz="914400" rtl="0" eaLnBrk="1" latinLnBrk="1" hangingPunct="1">
@@ -12124,7 +12233,7 @@
               <a:t>드랍된다</a:t>
             </a:r>
             <a:r>
-              <a:rPr lang="en-US" altLang="ko-KR" sz="1800" dirty="0"/>
+              <a:rPr lang="en-US" altLang="ko-KR" sz="1800" dirty="0" smtClean="0"/>
               <a:t>.</a:t>
             </a:r>
           </a:p>
@@ -12155,7 +12264,7 @@
         </p:spPr>
         <p:txBody>
           <a:bodyPr vert="horz" lIns="91440" tIns="45720" rIns="91440" bIns="45720" rtlCol="0">
-            <a:normAutofit lnSpcReduction="10000"/>
+            <a:normAutofit/>
           </a:bodyPr>
           <a:lstStyle>
             <a:lvl1pPr marL="228600" indent="-228600" algn="l" defTabSz="914400" rtl="0" eaLnBrk="1" latinLnBrk="1" hangingPunct="1">
@@ -12355,7 +12464,7 @@
         </p:spPr>
         <p:txBody>
           <a:bodyPr vert="horz" lIns="91440" tIns="45720" rIns="91440" bIns="45720" rtlCol="0">
-            <a:normAutofit/>
+            <a:normAutofit lnSpcReduction="10000"/>
           </a:bodyPr>
           <a:lstStyle>
             <a:lvl1pPr marL="228600" indent="-228600" algn="l" defTabSz="914400" rtl="0" eaLnBrk="1" latinLnBrk="1" hangingPunct="1">
@@ -12530,12 +12639,12 @@
               <a:t>플레이어가 저장고를 </a:t>
             </a:r>
             <a:r>
-              <a:rPr lang="ko-KR" altLang="en-US" sz="1800" dirty="0" err="1"/>
-              <a:t>클릭할경우</a:t>
+              <a:rPr lang="ko-KR" altLang="en-US" sz="1800" dirty="0" smtClean="0"/>
+              <a:t>클릭할 경우 </a:t>
             </a:r>
             <a:r>
               <a:rPr lang="ko-KR" altLang="en-US" sz="1800" dirty="0"/>
-              <a:t> 저장고의 </a:t>
+              <a:t>저장고의 </a:t>
             </a:r>
             <a:r>
               <a:rPr lang="en-US" altLang="ko-KR" sz="1800" dirty="0"/>
@@ -12546,9 +12655,49 @@
               <a:t>를 보여준다</a:t>
             </a:r>
             <a:r>
-              <a:rPr lang="en-US" altLang="ko-KR" sz="1800" dirty="0"/>
+              <a:rPr lang="en-US" altLang="ko-KR" sz="1800" dirty="0" smtClean="0"/>
               <a:t>.</a:t>
             </a:r>
+          </a:p>
+          <a:p>
+            <a:pPr marL="0" indent="0">
+              <a:buNone/>
+            </a:pPr>
+            <a:r>
+              <a:rPr lang="ko-KR" altLang="en-US" sz="1800" dirty="0" smtClean="0"/>
+              <a:t>저장고의 </a:t>
+            </a:r>
+            <a:r>
+              <a:rPr lang="en-US" altLang="ko-KR" sz="1800" dirty="0" smtClean="0"/>
+              <a:t>UI</a:t>
+            </a:r>
+            <a:r>
+              <a:rPr lang="ko-KR" altLang="en-US" sz="1800" dirty="0" smtClean="0"/>
+              <a:t>는 </a:t>
+            </a:r>
+            <a:r>
+              <a:rPr lang="ko-KR" altLang="en-US" sz="1800" dirty="0" err="1" smtClean="0"/>
+              <a:t>사일로</a:t>
+            </a:r>
+            <a:r>
+              <a:rPr lang="ko-KR" altLang="en-US" sz="1800" dirty="0" smtClean="0"/>
+              <a:t> 개별로 보유하고 있지않고 전체를 합쳐서 보여준다</a:t>
+            </a:r>
+            <a:r>
+              <a:rPr lang="en-US" altLang="ko-KR" sz="1800" dirty="0" smtClean="0"/>
+              <a:t>.</a:t>
+            </a:r>
+            <a:r>
+              <a:rPr lang="ko-KR" altLang="en-US" sz="1800" dirty="0" smtClean="0"/>
+              <a:t> </a:t>
+            </a:r>
+            <a:endParaRPr lang="en-US" altLang="ko-KR" sz="1800" dirty="0"/>
+          </a:p>
+          <a:p>
+            <a:pPr marL="0" indent="0">
+              <a:buNone/>
+            </a:pPr>
+            <a:endParaRPr lang="en-US" altLang="ko-KR" sz="1800" dirty="0"/>
           </a:p>
           <a:p>
             <a:pPr marL="0" indent="0">
@@ -12596,7 +12745,7 @@
         </p:blipFill>
         <p:spPr>
           <a:xfrm>
-            <a:off x="1595192" y="4376556"/>
+            <a:off x="2080428" y="4957507"/>
             <a:ext cx="3515216" cy="924054"/>
           </a:xfrm>
           <a:prstGeom prst="rect">
@@ -12604,6 +12753,142 @@
           </a:prstGeom>
         </p:spPr>
       </p:pic>
+      <p:cxnSp>
+        <p:nvCxnSpPr>
+          <p:cNvPr id="6" name="직선 화살표 연결선 5"/>
+          <p:cNvCxnSpPr/>
+          <p:nvPr/>
+        </p:nvCxnSpPr>
+        <p:spPr>
+          <a:xfrm flipH="1">
+            <a:off x="4997885" y="5110619"/>
+            <a:ext cx="1089764" cy="218443"/>
+          </a:xfrm>
+          <a:prstGeom prst="straightConnector1">
+            <a:avLst/>
+          </a:prstGeom>
+          <a:ln>
+            <a:tailEnd type="triangle"/>
+          </a:ln>
+        </p:spPr>
+        <p:style>
+          <a:lnRef idx="1">
+            <a:schemeClr val="accent1"/>
+          </a:lnRef>
+          <a:fillRef idx="0">
+            <a:schemeClr val="accent1"/>
+          </a:fillRef>
+          <a:effectRef idx="0">
+            <a:schemeClr val="accent1"/>
+          </a:effectRef>
+          <a:fontRef idx="minor">
+            <a:schemeClr val="tx1"/>
+          </a:fontRef>
+        </p:style>
+      </p:cxnSp>
+      <p:cxnSp>
+        <p:nvCxnSpPr>
+          <p:cNvPr id="11" name="직선 화살표 연결선 10"/>
+          <p:cNvCxnSpPr/>
+          <p:nvPr/>
+        </p:nvCxnSpPr>
+        <p:spPr>
+          <a:xfrm flipH="1">
+            <a:off x="4183693" y="4822521"/>
+            <a:ext cx="676406" cy="363254"/>
+          </a:xfrm>
+          <a:prstGeom prst="straightConnector1">
+            <a:avLst/>
+          </a:prstGeom>
+          <a:ln>
+            <a:tailEnd type="triangle"/>
+          </a:ln>
+        </p:spPr>
+        <p:style>
+          <a:lnRef idx="1">
+            <a:schemeClr val="accent1"/>
+          </a:lnRef>
+          <a:fillRef idx="0">
+            <a:schemeClr val="accent1"/>
+          </a:fillRef>
+          <a:effectRef idx="0">
+            <a:schemeClr val="accent1"/>
+          </a:effectRef>
+          <a:fontRef idx="minor">
+            <a:schemeClr val="tx1"/>
+          </a:fontRef>
+        </p:style>
+      </p:cxnSp>
+      <p:sp>
+        <p:nvSpPr>
+          <p:cNvPr id="12" name="직사각형 11"/>
+          <p:cNvSpPr/>
+          <p:nvPr/>
+        </p:nvSpPr>
+        <p:spPr>
+          <a:xfrm>
+            <a:off x="6087649" y="4925953"/>
+            <a:ext cx="1651414" cy="323165"/>
+          </a:xfrm>
+          <a:prstGeom prst="rect">
+            <a:avLst/>
+          </a:prstGeom>
+        </p:spPr>
+        <p:txBody>
+          <a:bodyPr wrap="none">
+            <a:spAutoFit/>
+          </a:bodyPr>
+          <a:lstStyle/>
+          <a:p>
+            <a:r>
+              <a:rPr lang="ko-KR" altLang="en-US" sz="1500" dirty="0" smtClean="0">
+                <a:latin typeface="메이플스토리" panose="02000300000000000000" pitchFamily="2" charset="-127"/>
+                <a:ea typeface="메이플스토리" panose="02000300000000000000" pitchFamily="2" charset="-127"/>
+              </a:rPr>
+              <a:t>건초의 최대 저장 수</a:t>
+            </a:r>
+            <a:endParaRPr lang="en-US" altLang="ko-KR" sz="1500" dirty="0">
+              <a:latin typeface="메이플스토리" panose="02000300000000000000" pitchFamily="2" charset="-127"/>
+              <a:ea typeface="메이플스토리" panose="02000300000000000000" pitchFamily="2" charset="-127"/>
+            </a:endParaRPr>
+          </a:p>
+        </p:txBody>
+      </p:sp>
+      <p:sp>
+        <p:nvSpPr>
+          <p:cNvPr id="13" name="직사각형 12"/>
+          <p:cNvSpPr/>
+          <p:nvPr/>
+        </p:nvSpPr>
+        <p:spPr>
+          <a:xfrm>
+            <a:off x="4852528" y="4643385"/>
+            <a:ext cx="1786066" cy="323165"/>
+          </a:xfrm>
+          <a:prstGeom prst="rect">
+            <a:avLst/>
+          </a:prstGeom>
+        </p:spPr>
+        <p:txBody>
+          <a:bodyPr wrap="none">
+            <a:spAutoFit/>
+          </a:bodyPr>
+          <a:lstStyle/>
+          <a:p>
+            <a:r>
+              <a:rPr lang="ko-KR" altLang="en-US" sz="1500" dirty="0" smtClean="0">
+                <a:latin typeface="메이플스토리" panose="02000300000000000000" pitchFamily="2" charset="-127"/>
+                <a:ea typeface="메이플스토리" panose="02000300000000000000" pitchFamily="2" charset="-127"/>
+              </a:rPr>
+              <a:t>현재 보유한 건초의 수</a:t>
+            </a:r>
+            <a:endParaRPr lang="en-US" altLang="ko-KR" sz="1500" dirty="0">
+              <a:latin typeface="메이플스토리" panose="02000300000000000000" pitchFamily="2" charset="-127"/>
+              <a:ea typeface="메이플스토리" panose="02000300000000000000" pitchFamily="2" charset="-127"/>
+            </a:endParaRPr>
+          </a:p>
+        </p:txBody>
+      </p:sp>
     </p:spTree>
     <p:extLst>
       <p:ext uri="{BB962C8B-B14F-4D97-AF65-F5344CB8AC3E}">
@@ -12804,7 +13089,7 @@
         </p:spPr>
         <p:txBody>
           <a:bodyPr vert="horz" lIns="91440" tIns="45720" rIns="91440" bIns="45720" rtlCol="0">
-            <a:normAutofit lnSpcReduction="10000"/>
+            <a:normAutofit/>
           </a:bodyPr>
           <a:lstStyle>
             <a:lvl1pPr marL="228600" indent="-228600" algn="l" defTabSz="914400" rtl="0" eaLnBrk="1" latinLnBrk="1" hangingPunct="1">
